--- a/Sample_12.pptx
+++ b/Sample_12.pptx
@@ -3309,7 +3309,7 @@
           <a:p>
             <a:fld id="{7403D398-1782-4EF6-BC57-8B1FF256CAAA}" type="datetimeFigureOut">
               <a:rPr lang="he-IL" smtClean="0"/>
-              <a:t>ח'/אב/תשע"ז</a:t>
+              <a:t>י'/אב/תשע"ז</a:t>
             </a:fld>
             <a:endParaRPr lang="he-IL"/>
           </a:p>
@@ -3841,7 +3841,7 @@
           <a:p>
             <a:fld id="{6F0DA8BB-0D18-469F-8022-DD923457DE3A}" type="datetimeFigureOut">
               <a:rPr lang="nl-BE"/>
-              <a:t>31/07/2017</a:t>
+              <a:t>2/08/2017</a:t>
             </a:fld>
             <a:endParaRPr lang="nl-BE"/>
           </a:p>
@@ -4006,7 +4006,7 @@
           <a:p>
             <a:fld id="{6F0DA8BB-0D18-469F-8022-DD923457DE3A}" type="datetimeFigureOut">
               <a:rPr lang="nl-BE"/>
-              <a:t>31/07/2017</a:t>
+              <a:t>2/08/2017</a:t>
             </a:fld>
             <a:endParaRPr lang="nl-BE"/>
           </a:p>
@@ -4181,7 +4181,7 @@
           <a:p>
             <a:fld id="{6F0DA8BB-0D18-469F-8022-DD923457DE3A}" type="datetimeFigureOut">
               <a:rPr lang="nl-BE"/>
-              <a:t>31/07/2017</a:t>
+              <a:t>2/08/2017</a:t>
             </a:fld>
             <a:endParaRPr lang="nl-BE"/>
           </a:p>
@@ -4346,7 +4346,7 @@
           <a:p>
             <a:fld id="{6F0DA8BB-0D18-469F-8022-DD923457DE3A}" type="datetimeFigureOut">
               <a:rPr lang="nl-BE"/>
-              <a:t>31/07/2017</a:t>
+              <a:t>2/08/2017</a:t>
             </a:fld>
             <a:endParaRPr lang="nl-BE"/>
           </a:p>
@@ -4587,7 +4587,7 @@
           <a:p>
             <a:fld id="{6F0DA8BB-0D18-469F-8022-DD923457DE3A}" type="datetimeFigureOut">
               <a:rPr lang="nl-BE"/>
-              <a:t>31/07/2017</a:t>
+              <a:t>2/08/2017</a:t>
             </a:fld>
             <a:endParaRPr lang="nl-BE"/>
           </a:p>
@@ -4870,7 +4870,7 @@
           <a:p>
             <a:fld id="{6F0DA8BB-0D18-469F-8022-DD923457DE3A}" type="datetimeFigureOut">
               <a:rPr lang="nl-BE"/>
-              <a:t>31/07/2017</a:t>
+              <a:t>2/08/2017</a:t>
             </a:fld>
             <a:endParaRPr lang="nl-BE"/>
           </a:p>
@@ -5287,7 +5287,7 @@
           <a:p>
             <a:fld id="{6F0DA8BB-0D18-469F-8022-DD923457DE3A}" type="datetimeFigureOut">
               <a:rPr lang="nl-BE"/>
-              <a:t>31/07/2017</a:t>
+              <a:t>2/08/2017</a:t>
             </a:fld>
             <a:endParaRPr lang="nl-BE"/>
           </a:p>
@@ -5346,6 +5346,14 @@
 <file path=ppt/slideLayouts/slideLayout6.xml><?xml version="1.0" encoding="utf-8"?>
 <p:sldLayout xmlns:a="http://schemas.openxmlformats.org/drawingml/2006/main" xmlns:r="http://schemas.openxmlformats.org/officeDocument/2006/relationships" xmlns:p="http://schemas.openxmlformats.org/presentationml/2006/main" type="titleOnly" preserve="1">
   <p:cSld name="Title Only">
+    <p:bg>
+      <p:bgPr>
+        <a:solidFill>
+          <a:schemeClr val="bg1"/>
+        </a:solidFill>
+        <a:effectLst/>
+      </p:bgPr>
+    </p:bg>
     <p:spTree>
       <p:nvGrpSpPr>
         <p:cNvPr id="1" name=""/>
@@ -5400,7 +5408,7 @@
           <a:p>
             <a:fld id="{6F0DA8BB-0D18-469F-8022-DD923457DE3A}" type="datetimeFigureOut">
               <a:rPr lang="nl-BE"/>
-              <a:t>31/07/2017</a:t>
+              <a:t>2/08/2017</a:t>
             </a:fld>
             <a:endParaRPr lang="nl-BE"/>
           </a:p>
@@ -5451,7 +5459,7 @@
     </p:spTree>
   </p:cSld>
   <p:clrMapOvr>
-    <a:masterClrMapping/>
+    <a:overrideClrMapping bg1="lt1" tx1="dk1" bg2="lt2" tx2="dk2" accent1="accent1" accent2="accent2" accent3="accent3" accent4="accent4" accent5="accent5" accent6="accent6" hlink="hlink" folHlink="folHlink"/>
   </p:clrMapOvr>
 </p:sldLayout>
 </file>
@@ -5460,9 +5468,12 @@
 <p:sldLayout xmlns:a="http://schemas.openxmlformats.org/drawingml/2006/main" xmlns:r="http://schemas.openxmlformats.org/officeDocument/2006/relationships" xmlns:p="http://schemas.openxmlformats.org/presentationml/2006/main" type="blank" preserve="1">
   <p:cSld name="Blank">
     <p:bg>
-      <p:bgRef idx="1001">
-        <a:schemeClr val="bg1"/>
-      </p:bgRef>
+      <p:bgPr>
+        <a:solidFill>
+          <a:schemeClr val="bg1"/>
+        </a:solidFill>
+        <a:effectLst/>
+      </p:bgPr>
     </p:bg>
     <p:spTree>
       <p:nvGrpSpPr>
@@ -5495,7 +5506,7 @@
           <a:p>
             <a:fld id="{6F0DA8BB-0D18-469F-8022-DD923457DE3A}" type="datetimeFigureOut">
               <a:rPr lang="nl-BE"/>
-              <a:t>31/07/2017</a:t>
+              <a:t>2/08/2017</a:t>
             </a:fld>
             <a:endParaRPr lang="nl-BE"/>
           </a:p>
@@ -5554,6 +5565,11 @@
 <file path=ppt/slideLayouts/slideLayout8.xml><?xml version="1.0" encoding="utf-8"?>
 <p:sldLayout xmlns:a="http://schemas.openxmlformats.org/drawingml/2006/main" xmlns:r="http://schemas.openxmlformats.org/officeDocument/2006/relationships" xmlns:p="http://schemas.openxmlformats.org/presentationml/2006/main" type="objTx" preserve="1">
   <p:cSld name="Content with Caption">
+    <p:bg>
+      <p:bgRef idx="1001">
+        <a:schemeClr val="bg1"/>
+      </p:bgRef>
+    </p:bg>
     <p:spTree>
       <p:nvGrpSpPr>
         <p:cNvPr id="1" name=""/>
@@ -5767,7 +5783,7 @@
           <a:p>
             <a:fld id="{6F0DA8BB-0D18-469F-8022-DD923457DE3A}" type="datetimeFigureOut">
               <a:rPr lang="nl-BE"/>
-              <a:t>31/07/2017</a:t>
+              <a:t>2/08/2017</a:t>
             </a:fld>
             <a:endParaRPr lang="nl-BE"/>
           </a:p>
@@ -5818,7 +5834,7 @@
     </p:spTree>
   </p:cSld>
   <p:clrMapOvr>
-    <a:masterClrMapping/>
+    <a:overrideClrMapping bg1="lt1" tx1="dk1" bg2="lt2" tx2="dk2" accent1="accent1" accent2="accent2" accent3="accent3" accent4="accent4" accent5="accent5" accent6="accent6" hlink="hlink" folHlink="folHlink"/>
   </p:clrMapOvr>
 </p:sldLayout>
 </file>
@@ -6015,7 +6031,7 @@
           <a:p>
             <a:fld id="{6F0DA8BB-0D18-469F-8022-DD923457DE3A}" type="datetimeFigureOut">
               <a:rPr lang="nl-BE"/>
-              <a:t>31/07/2017</a:t>
+              <a:t>2/08/2017</a:t>
             </a:fld>
             <a:endParaRPr lang="nl-BE"/>
           </a:p>
@@ -6077,7 +6093,7 @@
     <p:bg>
       <p:bgPr>
         <a:solidFill>
-          <a:srgbClr val="5392D1"/>
+          <a:schemeClr val="bg1"/>
         </a:solidFill>
         <a:effectLst/>
       </p:bgPr>
@@ -6226,7 +6242,7 @@
           <a:p>
             <a:fld id="{C6430DBB-9FD5-43E7-88F1-55A569E9525E}" type="datetimeFigureOut">
               <a:rPr lang="nl-BE"/>
-              <a:t>31/07/2017</a:t>
+              <a:t>2/08/2017</a:t>
             </a:fld>
             <a:endParaRPr lang="nl-BE"/>
           </a:p>
@@ -6637,27 +6653,22 @@
         </p:nvSpPr>
         <p:spPr>
           <a:xfrm>
-            <a:off x="85625" y="3790749"/>
+            <a:off x="1622029" y="2589269"/>
             <a:ext cx="5715000" cy="1446550"/>
           </a:xfrm>
           <a:prstGeom prst="rect">
             <a:avLst/>
           </a:prstGeom>
-          <a:solidFill>
-            <a:srgbClr val="FF0000"/>
-          </a:solidFill>
         </p:spPr>
         <p:style>
-          <a:lnRef idx="2">
-            <a:schemeClr val="accent2">
-              <a:shade val="50000"/>
-            </a:schemeClr>
+          <a:lnRef idx="3">
+            <a:schemeClr val="lt1"/>
           </a:lnRef>
           <a:fillRef idx="1">
-            <a:schemeClr val="accent2"/>
+            <a:schemeClr val="accent1"/>
           </a:fillRef>
-          <a:effectRef idx="0">
-            <a:schemeClr val="accent2"/>
+          <a:effectRef idx="1">
+            <a:schemeClr val="accent1"/>
           </a:effectRef>
           <a:fontRef idx="minor">
             <a:schemeClr val="lt1"/>
@@ -8621,6 +8632,8 @@
               <a:srgbClr val="FF0000"/>
             </a:solidFill>
             <a:prstDash val="sysDash"/>
+            <a:headEnd type="triangle" w="med" len="med"/>
+            <a:tailEnd type="triangle" w="med" len="med"/>
           </a:ln>
         </p:spPr>
         <p:style>
@@ -9482,7 +9495,6 @@
                     </a:srgbClr>
                   </a:outerShdw>
                 </a:effectLst>
-                <a:hlinkClick r:id="rId6" tooltip="קישור tooltip"/>
               </a:rPr>
               <a:t>צלב</a:t>
             </a:r>
@@ -9541,44 +9553,44 @@
           <p:nvPr>
             <p:extLst>
               <p:ext uri="{D42A27DB-BD31-4B8C-83A1-F6EECF244321}">
-                <p14:modId xmlns:p14="http://schemas.microsoft.com/office/powerpoint/2010/main" val="1104064827"/>
+                <p14:modId xmlns:p14="http://schemas.microsoft.com/office/powerpoint/2010/main" val="2607409112"/>
               </p:ext>
             </p:extLst>
           </p:nvPr>
         </p:nvGraphicFramePr>
         <p:xfrm>
-          <a:off x="741145" y="1412695"/>
-          <a:ext cx="6794951" cy="5278116"/>
+          <a:off x="770860" y="1412696"/>
+          <a:ext cx="6765236" cy="3383280"/>
         </p:xfrm>
         <a:graphic>
           <a:graphicData uri="http://schemas.openxmlformats.org/drawingml/2006/table">
             <a:tbl>
               <a:tblPr rtl="1" firstRow="1" bandRow="1">
-                <a:tableStyleId>{BC89EF96-8CEA-46FF-86C4-4CE0E7609802}</a:tableStyleId>
+                <a:tableStyleId>{5940675A-B579-460E-94D1-54222C63F5DA}</a:tableStyleId>
               </a:tblPr>
               <a:tblGrid>
-                <a:gridCol w="686754">
+                <a:gridCol w="683751">
                   <a:extLst>
                     <a:ext uri="{9D8B030D-6E8A-4147-A177-3AD203B41FA5}">
                       <a16:colId xmlns:a16="http://schemas.microsoft.com/office/drawing/2014/main" val="710496070"/>
                     </a:ext>
                   </a:extLst>
                 </a:gridCol>
-                <a:gridCol w="1980724">
+                <a:gridCol w="3442436">
                   <a:extLst>
                     <a:ext uri="{9D8B030D-6E8A-4147-A177-3AD203B41FA5}">
                       <a16:colId xmlns:a16="http://schemas.microsoft.com/office/drawing/2014/main" val="1732577030"/>
                     </a:ext>
                   </a:extLst>
                 </a:gridCol>
-                <a:gridCol w="2194887">
+                <a:gridCol w="1190932">
                   <a:extLst>
                     <a:ext uri="{9D8B030D-6E8A-4147-A177-3AD203B41FA5}">
                       <a16:colId xmlns:a16="http://schemas.microsoft.com/office/drawing/2014/main" val="3128281396"/>
                     </a:ext>
                   </a:extLst>
                 </a:gridCol>
-                <a:gridCol w="1932586">
+                <a:gridCol w="1448117">
                   <a:extLst>
                     <a:ext uri="{9D8B030D-6E8A-4147-A177-3AD203B41FA5}">
                       <a16:colId xmlns:a16="http://schemas.microsoft.com/office/drawing/2014/main" val="4262469077"/>
@@ -9586,7 +9598,7 @@
                   </a:extLst>
                 </a:gridCol>
               </a:tblGrid>
-              <a:tr h="577326">
+              <a:tr h="359781">
                 <a:tc>
                   <a:txBody>
                     <a:bodyPr/>
@@ -9600,7 +9612,11 @@
                       <a:endParaRPr lang="he-IL" dirty="0"/>
                     </a:p>
                   </a:txBody>
-                  <a:tcPr/>
+                  <a:tcPr>
+                    <a:solidFill>
+                      <a:schemeClr val="accent1"/>
+                    </a:solidFill>
+                  </a:tcPr>
                 </a:tc>
                 <a:tc>
                   <a:txBody>
@@ -9615,7 +9631,11 @@
                       <a:endParaRPr lang="he-IL" dirty="0"/>
                     </a:p>
                   </a:txBody>
-                  <a:tcPr/>
+                  <a:tcPr>
+                    <a:solidFill>
+                      <a:schemeClr val="accent1"/>
+                    </a:solidFill>
+                  </a:tcPr>
                 </a:tc>
                 <a:tc>
                   <a:txBody>
@@ -9630,7 +9650,11 @@
                       <a:endParaRPr lang="he-IL" dirty="0"/>
                     </a:p>
                   </a:txBody>
-                  <a:tcPr/>
+                  <a:tcPr>
+                    <a:solidFill>
+                      <a:schemeClr val="accent1"/>
+                    </a:solidFill>
+                  </a:tcPr>
                 </a:tc>
                 <a:tc>
                   <a:txBody>
@@ -9645,7 +9669,11 @@
                       <a:endParaRPr lang="he-IL" dirty="0"/>
                     </a:p>
                   </a:txBody>
-                  <a:tcPr/>
+                  <a:tcPr>
+                    <a:solidFill>
+                      <a:schemeClr val="accent1"/>
+                    </a:solidFill>
+                  </a:tcPr>
                 </a:tc>
                 <a:extLst>
                   <a:ext uri="{0D108BD9-81ED-4DB2-BD59-A6C34878D82A}">
@@ -9653,7 +9681,7 @@
                   </a:ext>
                 </a:extLst>
               </a:tr>
-              <a:tr h="585345">
+              <a:tr h="227937">
                 <a:tc>
                   <a:txBody>
                     <a:bodyPr/>
@@ -9706,7 +9734,7 @@
                       <a:pPr rtl="1"/>
                       <a:r>
                         <a:rPr lang="he-IL" dirty="0"/>
-                        <a:t>7005032</a:t>
+                        <a:t>56456455</a:t>
                       </a:r>
                     </a:p>
                   </a:txBody>
@@ -9718,7 +9746,7 @@
                   </a:ext>
                 </a:extLst>
               </a:tr>
-              <a:tr h="585345">
+              <a:tr h="251373">
                 <a:tc>
                   <a:txBody>
                     <a:bodyPr/>
@@ -9731,7 +9759,14 @@
                       </a:r>
                     </a:p>
                   </a:txBody>
-                  <a:tcPr/>
+                  <a:tcPr>
+                    <a:solidFill>
+                      <a:schemeClr val="accent4">
+                        <a:lumMod val="20000"/>
+                        <a:lumOff val="80000"/>
+                      </a:schemeClr>
+                    </a:solidFill>
+                  </a:tcPr>
                 </a:tc>
                 <a:tc>
                   <a:txBody>
@@ -9746,7 +9781,14 @@
                       <a:endParaRPr lang="he-IL" dirty="0"/>
                     </a:p>
                   </a:txBody>
-                  <a:tcPr/>
+                  <a:tcPr>
+                    <a:solidFill>
+                      <a:schemeClr val="accent4">
+                        <a:lumMod val="20000"/>
+                        <a:lumOff val="80000"/>
+                      </a:schemeClr>
+                    </a:solidFill>
+                  </a:tcPr>
                 </a:tc>
                 <a:tc>
                   <a:txBody>
@@ -9761,7 +9803,14 @@
                       <a:endParaRPr lang="he-IL" dirty="0"/>
                     </a:p>
                   </a:txBody>
-                  <a:tcPr/>
+                  <a:tcPr>
+                    <a:solidFill>
+                      <a:schemeClr val="accent4">
+                        <a:lumMod val="20000"/>
+                        <a:lumOff val="80000"/>
+                      </a:schemeClr>
+                    </a:solidFill>
+                  </a:tcPr>
                 </a:tc>
                 <a:tc>
                   <a:txBody>
@@ -9771,11 +9820,18 @@
                       <a:pPr rtl="1"/>
                       <a:r>
                         <a:rPr lang="he-IL" dirty="0"/>
-                        <a:t>115906</a:t>
+                        <a:t>64564456</a:t>
                       </a:r>
                     </a:p>
                   </a:txBody>
-                  <a:tcPr/>
+                  <a:tcPr>
+                    <a:solidFill>
+                      <a:schemeClr val="accent4">
+                        <a:lumMod val="20000"/>
+                        <a:lumOff val="80000"/>
+                      </a:schemeClr>
+                    </a:solidFill>
+                  </a:tcPr>
                 </a:tc>
                 <a:extLst>
                   <a:ext uri="{0D108BD9-81ED-4DB2-BD59-A6C34878D82A}">
@@ -9783,72 +9839,7 @@
                   </a:ext>
                 </a:extLst>
               </a:tr>
-              <a:tr h="585345">
-                <a:tc>
-                  <a:txBody>
-                    <a:bodyPr/>
-                    <a:lstStyle/>
-                    <a:p>
-                      <a:pPr rtl="1"/>
-                      <a:r>
-                        <a:rPr lang="he-IL" dirty="0"/>
-                        <a:t>3</a:t>
-                      </a:r>
-                    </a:p>
-                  </a:txBody>
-                  <a:tcPr/>
-                </a:tc>
-                <a:tc>
-                  <a:txBody>
-                    <a:bodyPr/>
-                    <a:lstStyle/>
-                    <a:p>
-                      <a:pPr rtl="1"/>
-                      <a:r>
-                        <a:rPr lang="en-US" dirty="0" err="1"/>
-                        <a:t>Tadele</a:t>
-                      </a:r>
-                      <a:endParaRPr lang="he-IL" dirty="0"/>
-                    </a:p>
-                  </a:txBody>
-                  <a:tcPr/>
-                </a:tc>
-                <a:tc>
-                  <a:txBody>
-                    <a:bodyPr/>
-                    <a:lstStyle/>
-                    <a:p>
-                      <a:pPr rtl="1"/>
-                      <a:r>
-                        <a:rPr lang="en-US" dirty="0" err="1"/>
-                        <a:t>Melke</a:t>
-                      </a:r>
-                      <a:endParaRPr lang="he-IL" dirty="0"/>
-                    </a:p>
-                  </a:txBody>
-                  <a:tcPr/>
-                </a:tc>
-                <a:tc>
-                  <a:txBody>
-                    <a:bodyPr/>
-                    <a:lstStyle/>
-                    <a:p>
-                      <a:pPr rtl="1"/>
-                      <a:r>
-                        <a:rPr lang="he-IL" dirty="0"/>
-                        <a:t>307185082</a:t>
-                      </a:r>
-                    </a:p>
-                  </a:txBody>
-                  <a:tcPr/>
-                </a:tc>
-                <a:extLst>
-                  <a:ext uri="{0D108BD9-81ED-4DB2-BD59-A6C34878D82A}">
-                    <a16:rowId xmlns:a16="http://schemas.microsoft.com/office/drawing/2014/main" val="2494433031"/>
-                  </a:ext>
-                </a:extLst>
-              </a:tr>
-              <a:tr h="585345">
+              <a:tr h="227937">
                 <a:tc>
                   <a:txBody>
                     <a:bodyPr/>
@@ -9861,7 +9852,14 @@
                       </a:r>
                     </a:p>
                   </a:txBody>
-                  <a:tcPr/>
+                  <a:tcPr>
+                    <a:solidFill>
+                      <a:schemeClr val="accent3">
+                        <a:lumMod val="40000"/>
+                        <a:lumOff val="60000"/>
+                      </a:schemeClr>
+                    </a:solidFill>
+                  </a:tcPr>
                 </a:tc>
                 <a:tc>
                   <a:txBody>
@@ -9876,7 +9874,14 @@
                       <a:endParaRPr lang="he-IL" dirty="0"/>
                     </a:p>
                   </a:txBody>
-                  <a:tcPr/>
+                  <a:tcPr>
+                    <a:solidFill>
+                      <a:schemeClr val="accent3">
+                        <a:lumMod val="40000"/>
+                        <a:lumOff val="60000"/>
+                      </a:schemeClr>
+                    </a:solidFill>
+                  </a:tcPr>
                 </a:tc>
                 <a:tc>
                   <a:txBody>
@@ -9891,7 +9896,14 @@
                       <a:endParaRPr lang="he-IL" dirty="0"/>
                     </a:p>
                   </a:txBody>
-                  <a:tcPr/>
+                  <a:tcPr>
+                    <a:solidFill>
+                      <a:schemeClr val="accent3">
+                        <a:lumMod val="40000"/>
+                        <a:lumOff val="60000"/>
+                      </a:schemeClr>
+                    </a:solidFill>
+                  </a:tcPr>
                 </a:tc>
                 <a:tc>
                   <a:txBody>
@@ -9905,7 +9917,14 @@
                       </a:r>
                     </a:p>
                   </a:txBody>
-                  <a:tcPr/>
+                  <a:tcPr>
+                    <a:solidFill>
+                      <a:schemeClr val="accent3">
+                        <a:lumMod val="40000"/>
+                        <a:lumOff val="60000"/>
+                      </a:schemeClr>
+                    </a:solidFill>
+                  </a:tcPr>
                 </a:tc>
                 <a:extLst>
                   <a:ext uri="{0D108BD9-81ED-4DB2-BD59-A6C34878D82A}">
@@ -9913,7 +9932,7 @@
                   </a:ext>
                 </a:extLst>
               </a:tr>
-              <a:tr h="585345">
+              <a:tr h="364779">
                 <a:tc>
                   <a:txBody>
                     <a:bodyPr/>
@@ -9978,7 +9997,7 @@
                   </a:ext>
                 </a:extLst>
               </a:tr>
-              <a:tr h="585345">
+              <a:tr h="364779">
                 <a:tc>
                   <a:txBody>
                     <a:bodyPr/>
@@ -9986,12 +10005,20 @@
                     <a:p>
                       <a:pPr rtl="1"/>
                       <a:r>
-                        <a:rPr lang="he-IL" dirty="0"/>
+                        <a:rPr lang="he-IL" dirty="0">
+                          <a:solidFill>
+                            <a:srgbClr val="FFFF00"/>
+                          </a:solidFill>
+                        </a:rPr>
                         <a:t>6</a:t>
                       </a:r>
                     </a:p>
                   </a:txBody>
-                  <a:tcPr/>
+                  <a:tcPr>
+                    <a:solidFill>
+                      <a:srgbClr val="FF0000"/>
+                    </a:solidFill>
+                  </a:tcPr>
                 </a:tc>
                 <a:tc>
                   <a:txBody>
@@ -10000,13 +10027,25 @@
                     <a:p>
                       <a:pPr rtl="1"/>
                       <a:r>
-                        <a:rPr lang="en-US" dirty="0" err="1"/>
+                        <a:rPr lang="en-US" dirty="0" err="1">
+                          <a:solidFill>
+                            <a:srgbClr val="FFFF00"/>
+                          </a:solidFill>
+                        </a:rPr>
                         <a:t>Dawit</a:t>
                       </a:r>
-                      <a:endParaRPr lang="he-IL" dirty="0"/>
+                      <a:endParaRPr lang="he-IL" dirty="0">
+                        <a:solidFill>
+                          <a:srgbClr val="FFFF00"/>
+                        </a:solidFill>
+                      </a:endParaRPr>
                     </a:p>
                   </a:txBody>
-                  <a:tcPr/>
+                  <a:tcPr>
+                    <a:solidFill>
+                      <a:srgbClr val="FF0000"/>
+                    </a:solidFill>
+                  </a:tcPr>
                 </a:tc>
                 <a:tc>
                   <a:txBody>
@@ -10015,13 +10054,25 @@
                     <a:p>
                       <a:pPr rtl="1"/>
                       <a:r>
-                        <a:rPr lang="en-US" dirty="0" err="1"/>
+                        <a:rPr lang="en-US" dirty="0" err="1">
+                          <a:solidFill>
+                            <a:srgbClr val="FFFF00"/>
+                          </a:solidFill>
+                        </a:rPr>
                         <a:t>Zeru</a:t>
                       </a:r>
-                      <a:endParaRPr lang="he-IL" dirty="0"/>
+                      <a:endParaRPr lang="he-IL" dirty="0">
+                        <a:solidFill>
+                          <a:srgbClr val="FFFF00"/>
+                        </a:solidFill>
+                      </a:endParaRPr>
                     </a:p>
                   </a:txBody>
-                  <a:tcPr/>
+                  <a:tcPr>
+                    <a:solidFill>
+                      <a:srgbClr val="FF0000"/>
+                    </a:solidFill>
+                  </a:tcPr>
                 </a:tc>
                 <a:tc rowSpan="2">
                   <a:txBody>
@@ -10031,7 +10082,7 @@
                       <a:pPr rtl="1"/>
                       <a:r>
                         <a:rPr lang="he-IL" dirty="0"/>
-                        <a:t>33443344</a:t>
+                        <a:t>534534534</a:t>
                       </a:r>
                     </a:p>
                   </a:txBody>
@@ -10043,7 +10094,7 @@
                   </a:ext>
                 </a:extLst>
               </a:tr>
-              <a:tr h="585345">
+              <a:tr h="740794">
                 <a:tc>
                   <a:txBody>
                     <a:bodyPr/>
@@ -10063,7 +10114,7 @@
                     <a:bodyPr/>
                     <a:lstStyle/>
                     <a:p>
-                      <a:pPr marL="342900" lvl="0" indent="-342900" algn="ctr" rtl="1">
+                      <a:pPr marL="342900" lvl="0" indent="-342900" algn="r" rtl="1">
                         <a:buFont typeface="+mj-cs"/>
                         <a:buAutoNum type="hebrew2Minus"/>
                       </a:pPr>
@@ -10073,7 +10124,7 @@
                       </a:r>
                     </a:p>
                     <a:p>
-                      <a:pPr marL="342900" lvl="0" indent="-342900" algn="ctr" rtl="1">
+                      <a:pPr marL="342900" lvl="0" indent="-342900" algn="r" rtl="1">
                         <a:buFont typeface="+mj-cs"/>
                         <a:buAutoNum type="hebrew2Minus"/>
                       </a:pPr>
@@ -10084,7 +10135,7 @@
                       <a:endParaRPr lang="he-IL" dirty="0"/>
                     </a:p>
                     <a:p>
-                      <a:pPr marL="342900" lvl="0" indent="-342900" algn="ctr" rtl="1">
+                      <a:pPr marL="342900" lvl="0" indent="-342900" algn="r" rtl="1">
                         <a:buFont typeface="+mj-cs"/>
                         <a:buAutoNum type="hebrew2Minus"/>
                       </a:pPr>
@@ -10094,7 +10145,7 @@
                       </a:r>
                     </a:p>
                     <a:p>
-                      <a:pPr marL="342900" lvl="0" indent="-342900" algn="ctr" rtl="1">
+                      <a:pPr marL="342900" lvl="0" indent="-342900" algn="r" rtl="1">
                         <a:buFont typeface="+mj-cs"/>
                         <a:buAutoNum type="hebrew2Minus"/>
                       </a:pPr>
@@ -10316,6 +10367,10 @@
           <a:lstStyle/>
           <a:p>
             <a:pPr algn="ctr"/>
+            <a:r>
+              <a:rPr lang="he-IL" dirty="0" err="1"/>
+              <a:t>הייי</a:t>
+            </a:r>
             <a:endParaRPr lang="he-IL" dirty="0"/>
           </a:p>
         </p:txBody>
@@ -10444,7 +10499,7 @@
         </p:nvSpPr>
         <p:spPr>
           <a:xfrm rot="1398202">
-            <a:off x="5059680" y="5093466"/>
+            <a:off x="5079840" y="5077517"/>
             <a:ext cx="2507381" cy="1280160"/>
           </a:xfrm>
           <a:custGeom>
@@ -10548,10 +10603,18 @@
           <a:p>
             <a:pPr algn="ctr"/>
             <a:r>
-              <a:rPr lang="en-US" dirty="0" err="1"/>
+              <a:rPr lang="en-US" strike="sngStrike" dirty="0" err="1">
+                <a:solidFill>
+                  <a:srgbClr val="FFFF00"/>
+                </a:solidFill>
+              </a:rPr>
               <a:t>vvv</a:t>
             </a:r>
-            <a:endParaRPr lang="he-IL" dirty="0"/>
+            <a:endParaRPr lang="he-IL" strike="sngStrike" dirty="0">
+              <a:solidFill>
+                <a:srgbClr val="FFFF00"/>
+              </a:solidFill>
+            </a:endParaRPr>
           </a:p>
         </p:txBody>
       </p:sp>
@@ -10689,6 +10752,91 @@
           </a:p>
         </p:txBody>
       </p:sp>
+      <p:pic>
+        <p:nvPicPr>
+          <p:cNvPr id="4" name="גרפיקה 3" descr="קבוצה">
+            <a:extLst>
+              <a:ext uri="{FF2B5EF4-FFF2-40B4-BE49-F238E27FC236}">
+                <a16:creationId xmlns:a16="http://schemas.microsoft.com/office/drawing/2014/main" id="{9A31590B-6BE9-4B6D-A68A-6A8148BCDD6B}"/>
+              </a:ext>
+            </a:extLst>
+          </p:cNvPr>
+          <p:cNvPicPr>
+            <a:picLocks noChangeAspect="1"/>
+          </p:cNvPicPr>
+          <p:nvPr/>
+        </p:nvPicPr>
+        <p:blipFill>
+          <a:blip r:embed="rId4">
+            <a:extLst>
+              <a:ext uri="{28A0092B-C50C-407E-A947-70E740481C1C}">
+                <a14:useLocalDpi xmlns:a14="http://schemas.microsoft.com/office/drawing/2010/main" val="0"/>
+              </a:ext>
+              <a:ext uri="{96DAC541-7B7A-43D3-8B79-37D633B846F1}">
+                <asvg:svgBlip xmlns:asvg="http://schemas.microsoft.com/office/drawing/2016/SVG/main" r:embed="rId5"/>
+              </a:ext>
+            </a:extLst>
+          </a:blip>
+          <a:stretch>
+            <a:fillRect/>
+          </a:stretch>
+        </p:blipFill>
+        <p:spPr>
+          <a:xfrm>
+            <a:off x="5980814" y="2997573"/>
+            <a:ext cx="2195623" cy="2195623"/>
+          </a:xfrm>
+          <a:prstGeom prst="rect">
+            <a:avLst/>
+          </a:prstGeom>
+        </p:spPr>
+      </p:pic>
+      <p:sp>
+        <p:nvSpPr>
+          <p:cNvPr id="5" name="ברק 4">
+            <a:extLst>
+              <a:ext uri="{FF2B5EF4-FFF2-40B4-BE49-F238E27FC236}">
+                <a16:creationId xmlns:a16="http://schemas.microsoft.com/office/drawing/2014/main" id="{88D09A11-9C43-4188-889F-AEA8CE705BD4}"/>
+              </a:ext>
+            </a:extLst>
+          </p:cNvPr>
+          <p:cNvSpPr/>
+          <p:nvPr/>
+        </p:nvSpPr>
+        <p:spPr>
+          <a:xfrm>
+            <a:off x="4827181" y="4716380"/>
+            <a:ext cx="1727791" cy="1939602"/>
+          </a:xfrm>
+          <a:prstGeom prst="lightningBolt">
+            <a:avLst/>
+          </a:prstGeom>
+        </p:spPr>
+        <p:style>
+          <a:lnRef idx="2">
+            <a:schemeClr val="accent1">
+              <a:shade val="50000"/>
+            </a:schemeClr>
+          </a:lnRef>
+          <a:fillRef idx="1">
+            <a:schemeClr val="accent1"/>
+          </a:fillRef>
+          <a:effectRef idx="0">
+            <a:schemeClr val="accent1"/>
+          </a:effectRef>
+          <a:fontRef idx="minor">
+            <a:schemeClr val="lt1"/>
+          </a:fontRef>
+        </p:style>
+        <p:txBody>
+          <a:bodyPr rtlCol="1" anchor="ctr"/>
+          <a:lstStyle/>
+          <a:p>
+            <a:pPr algn="ctr"/>
+            <a:endParaRPr lang="he-IL"/>
+          </a:p>
+        </p:txBody>
+      </p:sp>
     </p:spTree>
     <p:extLst>
       <p:ext uri="{BB962C8B-B14F-4D97-AF65-F5344CB8AC3E}">
@@ -10721,219 +10869,6 @@
       </p:grpSpPr>
       <p:sp>
         <p:nvSpPr>
-          <p:cNvPr id="5" name="TextBox 4">
-            <a:extLst>
-              <a:ext uri="{FF2B5EF4-FFF2-40B4-BE49-F238E27FC236}">
-                <a16:creationId xmlns:a16="http://schemas.microsoft.com/office/drawing/2014/main" id="{2EEEAF6F-7C96-41AF-A933-AE5F0B152203}"/>
-              </a:ext>
-            </a:extLst>
-          </p:cNvPr>
-          <p:cNvSpPr txBox="1"/>
-          <p:nvPr/>
-        </p:nvSpPr>
-        <p:spPr>
-          <a:xfrm>
-            <a:off x="6805061" y="308008"/>
-            <a:ext cx="1862489" cy="923330"/>
-          </a:xfrm>
-          <a:prstGeom prst="rect">
-            <a:avLst/>
-          </a:prstGeom>
-          <a:noFill/>
-        </p:spPr>
-        <p:txBody>
-          <a:bodyPr wrap="square" rtlCol="1">
-            <a:spAutoFit/>
-          </a:bodyPr>
-          <a:lstStyle/>
-          <a:p>
-            <a:pPr marL="285750" indent="-285750">
-              <a:buFont typeface="Arial" panose="020B0604020202020204" pitchFamily="34" charset="0"/>
-              <a:buChar char="•"/>
-            </a:pPr>
-            <a:r>
-              <a:rPr lang="he-IL" dirty="0">
-                <a:solidFill>
-                  <a:srgbClr val="7AEFF2"/>
-                </a:solidFill>
-              </a:rPr>
-              <a:t>עיגול מלא-1</a:t>
-            </a:r>
-          </a:p>
-          <a:p>
-            <a:pPr marL="285750" indent="-285750">
-              <a:buFont typeface="Arial" panose="020B0604020202020204" pitchFamily="34" charset="0"/>
-              <a:buChar char="•"/>
-            </a:pPr>
-            <a:r>
-              <a:rPr lang="he-IL" dirty="0">
-                <a:solidFill>
-                  <a:srgbClr val="7AEFF2"/>
-                </a:solidFill>
-              </a:rPr>
-              <a:t>עיגול מלא-2</a:t>
-            </a:r>
-          </a:p>
-          <a:p>
-            <a:pPr marL="285750" indent="-285750">
-              <a:buFont typeface="Arial" panose="020B0604020202020204" pitchFamily="34" charset="0"/>
-              <a:buChar char="•"/>
-            </a:pPr>
-            <a:r>
-              <a:rPr lang="he-IL" dirty="0">
-                <a:solidFill>
-                  <a:srgbClr val="7AEFF2"/>
-                </a:solidFill>
-              </a:rPr>
-              <a:t>עיגול מלא-3</a:t>
-            </a:r>
-          </a:p>
-        </p:txBody>
-      </p:sp>
-      <p:sp>
-        <p:nvSpPr>
-          <p:cNvPr id="6" name="TextBox 5">
-            <a:extLst>
-              <a:ext uri="{FF2B5EF4-FFF2-40B4-BE49-F238E27FC236}">
-                <a16:creationId xmlns:a16="http://schemas.microsoft.com/office/drawing/2014/main" id="{0CF4C1F6-B487-4798-B560-A17907AEEC29}"/>
-              </a:ext>
-            </a:extLst>
-          </p:cNvPr>
-          <p:cNvSpPr txBox="1"/>
-          <p:nvPr/>
-        </p:nvSpPr>
-        <p:spPr>
-          <a:xfrm>
-            <a:off x="6400800" y="1581751"/>
-            <a:ext cx="2266750" cy="923330"/>
-          </a:xfrm>
-          <a:prstGeom prst="rect">
-            <a:avLst/>
-          </a:prstGeom>
-          <a:noFill/>
-        </p:spPr>
-        <p:txBody>
-          <a:bodyPr wrap="square" rtlCol="1">
-            <a:spAutoFit/>
-          </a:bodyPr>
-          <a:lstStyle/>
-          <a:p>
-            <a:pPr marL="285750" indent="-285750">
-              <a:buFont typeface="Courier New" panose="02070309020205020404" pitchFamily="49" charset="0"/>
-              <a:buChar char="o"/>
-            </a:pPr>
-            <a:r>
-              <a:rPr lang="he-IL" dirty="0">
-                <a:solidFill>
-                  <a:srgbClr val="7AEFF2"/>
-                </a:solidFill>
-              </a:rPr>
-              <a:t>עיגול ריק -1</a:t>
-            </a:r>
-          </a:p>
-          <a:p>
-            <a:pPr marL="285750" indent="-285750">
-              <a:buFont typeface="Courier New" panose="02070309020205020404" pitchFamily="49" charset="0"/>
-              <a:buChar char="o"/>
-            </a:pPr>
-            <a:r>
-              <a:rPr lang="he-IL" dirty="0">
-                <a:solidFill>
-                  <a:srgbClr val="7AEFF2"/>
-                </a:solidFill>
-              </a:rPr>
-              <a:t>עיגול ריק -2</a:t>
-            </a:r>
-          </a:p>
-          <a:p>
-            <a:pPr marL="285750" indent="-285750">
-              <a:buFont typeface="Courier New" panose="02070309020205020404" pitchFamily="49" charset="0"/>
-              <a:buChar char="o"/>
-            </a:pPr>
-            <a:r>
-              <a:rPr lang="he-IL" dirty="0">
-                <a:solidFill>
-                  <a:srgbClr val="7AEFF2"/>
-                </a:solidFill>
-              </a:rPr>
-              <a:t>עיגול ריק -3</a:t>
-            </a:r>
-          </a:p>
-        </p:txBody>
-      </p:sp>
-      <p:sp>
-        <p:nvSpPr>
-          <p:cNvPr id="7" name="TextBox 6">
-            <a:extLst>
-              <a:ext uri="{FF2B5EF4-FFF2-40B4-BE49-F238E27FC236}">
-                <a16:creationId xmlns:a16="http://schemas.microsoft.com/office/drawing/2014/main" id="{728FF4D2-D0E3-4BFA-9BC4-E2339F2553BB}"/>
-              </a:ext>
-            </a:extLst>
-          </p:cNvPr>
-          <p:cNvSpPr txBox="1"/>
-          <p:nvPr/>
-        </p:nvSpPr>
-        <p:spPr>
-          <a:xfrm>
-            <a:off x="6400800" y="2696678"/>
-            <a:ext cx="2266750" cy="923330"/>
-          </a:xfrm>
-          <a:prstGeom prst="rect">
-            <a:avLst/>
-          </a:prstGeom>
-          <a:noFill/>
-        </p:spPr>
-        <p:txBody>
-          <a:bodyPr wrap="square" rtlCol="1">
-            <a:spAutoFit/>
-          </a:bodyPr>
-          <a:lstStyle/>
-          <a:p>
-            <a:pPr marL="285750" indent="-285750">
-              <a:buFont typeface="Wingdings" panose="05000000000000000000" pitchFamily="2" charset="2"/>
-              <a:buChar char="§"/>
-            </a:pPr>
-            <a:r>
-              <a:rPr lang="he-IL" dirty="0">
-                <a:solidFill>
-                  <a:srgbClr val="7AEFF2"/>
-                </a:solidFill>
-              </a:rPr>
-              <a:t>ריבוע מלא -1</a:t>
-            </a:r>
-          </a:p>
-          <a:p>
-            <a:pPr marL="285750" indent="-285750">
-              <a:buFont typeface="Wingdings" panose="05000000000000000000" pitchFamily="2" charset="2"/>
-              <a:buChar char="§"/>
-            </a:pPr>
-            <a:r>
-              <a:rPr lang="he-IL" dirty="0">
-                <a:solidFill>
-                  <a:srgbClr val="7AEFF2"/>
-                </a:solidFill>
-              </a:rPr>
-              <a:t>ריבוע מלא -2</a:t>
-            </a:r>
-          </a:p>
-          <a:p>
-            <a:pPr marL="285750" indent="-285750">
-              <a:buFont typeface="Wingdings" panose="05000000000000000000" pitchFamily="2" charset="2"/>
-              <a:buChar char="§"/>
-            </a:pPr>
-            <a:r>
-              <a:rPr lang="he-IL" dirty="0">
-                <a:solidFill>
-                  <a:srgbClr val="7AEFF2"/>
-                </a:solidFill>
-              </a:rPr>
-              <a:t>ריבוע מלא -3</a:t>
-            </a:r>
-          </a:p>
-        </p:txBody>
-      </p:sp>
-      <p:sp>
-        <p:nvSpPr>
           <p:cNvPr id="8" name="TextBox 7">
             <a:extLst>
               <a:ext uri="{FF2B5EF4-FFF2-40B4-BE49-F238E27FC236}">
@@ -11005,219 +10940,6 @@
       </p:sp>
       <p:sp>
         <p:nvSpPr>
-          <p:cNvPr id="9" name="TextBox 8">
-            <a:extLst>
-              <a:ext uri="{FF2B5EF4-FFF2-40B4-BE49-F238E27FC236}">
-                <a16:creationId xmlns:a16="http://schemas.microsoft.com/office/drawing/2014/main" id="{F3250DA0-88CE-459C-8EAA-9E479A759584}"/>
-              </a:ext>
-            </a:extLst>
-          </p:cNvPr>
-          <p:cNvSpPr txBox="1"/>
-          <p:nvPr/>
-        </p:nvSpPr>
-        <p:spPr>
-          <a:xfrm>
-            <a:off x="3011103" y="346509"/>
-            <a:ext cx="2266750" cy="923330"/>
-          </a:xfrm>
-          <a:prstGeom prst="rect">
-            <a:avLst/>
-          </a:prstGeom>
-          <a:noFill/>
-        </p:spPr>
-        <p:txBody>
-          <a:bodyPr wrap="square" rtlCol="1">
-            <a:spAutoFit/>
-          </a:bodyPr>
-          <a:lstStyle/>
-          <a:p>
-            <a:pPr marL="285750" indent="-285750">
-              <a:buFont typeface="Wingdings" panose="05000000000000000000" pitchFamily="2" charset="2"/>
-              <a:buChar char="v"/>
-            </a:pPr>
-            <a:r>
-              <a:rPr lang="he-IL" dirty="0">
-                <a:solidFill>
-                  <a:srgbClr val="7AEFF2"/>
-                </a:solidFill>
-              </a:rPr>
-              <a:t>כוכב -1</a:t>
-            </a:r>
-          </a:p>
-          <a:p>
-            <a:pPr marL="285750" indent="-285750">
-              <a:buFont typeface="Wingdings" panose="05000000000000000000" pitchFamily="2" charset="2"/>
-              <a:buChar char="v"/>
-            </a:pPr>
-            <a:r>
-              <a:rPr lang="he-IL" dirty="0">
-                <a:solidFill>
-                  <a:srgbClr val="7AEFF2"/>
-                </a:solidFill>
-              </a:rPr>
-              <a:t>כוכב -2</a:t>
-            </a:r>
-          </a:p>
-          <a:p>
-            <a:pPr marL="285750" indent="-285750">
-              <a:buFont typeface="Wingdings" panose="05000000000000000000" pitchFamily="2" charset="2"/>
-              <a:buChar char="v"/>
-            </a:pPr>
-            <a:r>
-              <a:rPr lang="he-IL" dirty="0">
-                <a:solidFill>
-                  <a:srgbClr val="7AEFF2"/>
-                </a:solidFill>
-              </a:rPr>
-              <a:t>כוכב -3</a:t>
-            </a:r>
-          </a:p>
-        </p:txBody>
-      </p:sp>
-      <p:sp>
-        <p:nvSpPr>
-          <p:cNvPr id="10" name="TextBox 9">
-            <a:extLst>
-              <a:ext uri="{FF2B5EF4-FFF2-40B4-BE49-F238E27FC236}">
-                <a16:creationId xmlns:a16="http://schemas.microsoft.com/office/drawing/2014/main" id="{15B1B417-8A03-4D12-81E7-50C2AD197D45}"/>
-              </a:ext>
-            </a:extLst>
-          </p:cNvPr>
-          <p:cNvSpPr txBox="1"/>
-          <p:nvPr/>
-        </p:nvSpPr>
-        <p:spPr>
-          <a:xfrm>
-            <a:off x="3011103" y="1543250"/>
-            <a:ext cx="2266750" cy="923330"/>
-          </a:xfrm>
-          <a:prstGeom prst="rect">
-            <a:avLst/>
-          </a:prstGeom>
-          <a:noFill/>
-        </p:spPr>
-        <p:txBody>
-          <a:bodyPr wrap="square" rtlCol="1">
-            <a:spAutoFit/>
-          </a:bodyPr>
-          <a:lstStyle/>
-          <a:p>
-            <a:pPr marL="285750" indent="-285750">
-              <a:buFont typeface="Wingdings" panose="05000000000000000000" pitchFamily="2" charset="2"/>
-              <a:buChar char="Ø"/>
-            </a:pPr>
-            <a:r>
-              <a:rPr lang="he-IL" dirty="0">
-                <a:solidFill>
-                  <a:srgbClr val="7AEFF2"/>
-                </a:solidFill>
-              </a:rPr>
-              <a:t>חץ -1</a:t>
-            </a:r>
-          </a:p>
-          <a:p>
-            <a:pPr marL="285750" indent="-285750">
-              <a:buFont typeface="Wingdings" panose="05000000000000000000" pitchFamily="2" charset="2"/>
-              <a:buChar char="Ø"/>
-            </a:pPr>
-            <a:r>
-              <a:rPr lang="he-IL" dirty="0">
-                <a:solidFill>
-                  <a:srgbClr val="7AEFF2"/>
-                </a:solidFill>
-              </a:rPr>
-              <a:t>חץ -2</a:t>
-            </a:r>
-          </a:p>
-          <a:p>
-            <a:pPr marL="285750" indent="-285750">
-              <a:buFont typeface="Wingdings" panose="05000000000000000000" pitchFamily="2" charset="2"/>
-              <a:buChar char="Ø"/>
-            </a:pPr>
-            <a:r>
-              <a:rPr lang="he-IL" dirty="0">
-                <a:solidFill>
-                  <a:srgbClr val="7AEFF2"/>
-                </a:solidFill>
-              </a:rPr>
-              <a:t>חץ -3</a:t>
-            </a:r>
-          </a:p>
-        </p:txBody>
-      </p:sp>
-      <p:sp>
-        <p:nvSpPr>
-          <p:cNvPr id="11" name="TextBox 10">
-            <a:extLst>
-              <a:ext uri="{FF2B5EF4-FFF2-40B4-BE49-F238E27FC236}">
-                <a16:creationId xmlns:a16="http://schemas.microsoft.com/office/drawing/2014/main" id="{F3A4D2EB-6BB3-424C-96D3-3D4A95F45FC6}"/>
-              </a:ext>
-            </a:extLst>
-          </p:cNvPr>
-          <p:cNvSpPr txBox="1"/>
-          <p:nvPr/>
-        </p:nvSpPr>
-        <p:spPr>
-          <a:xfrm>
-            <a:off x="3011103" y="2581174"/>
-            <a:ext cx="2266750" cy="923330"/>
-          </a:xfrm>
-          <a:prstGeom prst="rect">
-            <a:avLst/>
-          </a:prstGeom>
-          <a:noFill/>
-        </p:spPr>
-        <p:txBody>
-          <a:bodyPr wrap="square" rtlCol="1">
-            <a:spAutoFit/>
-          </a:bodyPr>
-          <a:lstStyle/>
-          <a:p>
-            <a:pPr marL="285750" indent="-285750">
-              <a:buFont typeface="Wingdings" panose="05000000000000000000" pitchFamily="2" charset="2"/>
-              <a:buChar char="ü"/>
-            </a:pPr>
-            <a:r>
-              <a:rPr lang="he-IL" dirty="0">
-                <a:solidFill>
-                  <a:srgbClr val="7AEFF2"/>
-                </a:solidFill>
-              </a:rPr>
-              <a:t>סימן וי -1</a:t>
-            </a:r>
-          </a:p>
-          <a:p>
-            <a:pPr marL="285750" indent="-285750">
-              <a:buFont typeface="Wingdings" panose="05000000000000000000" pitchFamily="2" charset="2"/>
-              <a:buChar char="ü"/>
-            </a:pPr>
-            <a:r>
-              <a:rPr lang="he-IL" dirty="0">
-                <a:solidFill>
-                  <a:srgbClr val="7AEFF2"/>
-                </a:solidFill>
-              </a:rPr>
-              <a:t>סימן וי -2</a:t>
-            </a:r>
-          </a:p>
-          <a:p>
-            <a:pPr marL="285750" indent="-285750">
-              <a:buFont typeface="Wingdings" panose="05000000000000000000" pitchFamily="2" charset="2"/>
-              <a:buChar char="ü"/>
-            </a:pPr>
-            <a:r>
-              <a:rPr lang="he-IL" dirty="0">
-                <a:solidFill>
-                  <a:srgbClr val="7AEFF2"/>
-                </a:solidFill>
-              </a:rPr>
-              <a:t>סימן וי -3</a:t>
-            </a:r>
-          </a:p>
-        </p:txBody>
-      </p:sp>
-      <p:sp>
-        <p:nvSpPr>
           <p:cNvPr id="12" name="TextBox 11">
             <a:extLst>
               <a:ext uri="{FF2B5EF4-FFF2-40B4-BE49-F238E27FC236}">
@@ -11230,8 +10952,8 @@
         </p:nvSpPr>
         <p:spPr>
           <a:xfrm>
-            <a:off x="3011103" y="3869355"/>
-            <a:ext cx="2266750" cy="923330"/>
+            <a:off x="6655981" y="5565248"/>
+            <a:ext cx="2254102" cy="923330"/>
           </a:xfrm>
           <a:prstGeom prst="rect">
             <a:avLst/>
@@ -11244,9 +10966,11 @@
           </a:bodyPr>
           <a:lstStyle/>
           <a:p>
-            <a:pPr marL="285750" indent="-285750">
-              <a:buFont typeface="Calibri" panose="020F0502020204030204" pitchFamily="34" charset="0"/>
-              <a:buChar char="∞"/>
+            <a:pPr marL="342900" indent="-342900" algn="l" rtl="0">
+              <a:buSzPct val="100000"/>
+              <a:buBlip>
+                <a:blip r:embed="rId2"/>
+              </a:buBlip>
             </a:pPr>
             <a:r>
               <a:rPr lang="he-IL" dirty="0">
@@ -11258,9 +10982,10 @@
             </a:r>
           </a:p>
           <a:p>
-            <a:pPr marL="285750" indent="-285750">
-              <a:buFont typeface="Calibri" panose="020F0502020204030204" pitchFamily="34" charset="0"/>
-              <a:buChar char="∞"/>
+            <a:pPr marL="342900" indent="-342900" algn="l" rtl="0">
+              <a:buBlip>
+                <a:blip r:embed="rId2"/>
+              </a:buBlip>
             </a:pPr>
             <a:r>
               <a:rPr lang="he-IL" dirty="0">
@@ -11272,9 +10997,10 @@
             </a:r>
           </a:p>
           <a:p>
-            <a:pPr marL="285750" indent="-285750">
-              <a:buFont typeface="Calibri" panose="020F0502020204030204" pitchFamily="34" charset="0"/>
-              <a:buChar char="∞"/>
+            <a:pPr marL="342900" indent="-342900" algn="l" rtl="0">
+              <a:buBlip>
+                <a:blip r:embed="rId2"/>
+              </a:buBlip>
             </a:pPr>
             <a:r>
               <a:rPr lang="he-IL" dirty="0">
@@ -11301,8 +11027,8 @@
         </p:nvSpPr>
         <p:spPr>
           <a:xfrm>
-            <a:off x="675372" y="308008"/>
-            <a:ext cx="2770472" cy="923330"/>
+            <a:off x="4944818" y="170069"/>
+            <a:ext cx="3274623" cy="923330"/>
           </a:xfrm>
           <a:prstGeom prst="rect">
             <a:avLst/>
@@ -11315,13 +11041,13 @@
           </a:bodyPr>
           <a:lstStyle/>
           <a:p>
-            <a:pPr marL="447675" indent="-447675">
+            <a:pPr marL="447675" indent="-447675" algn="l" rtl="0">
               <a:buSzPct val="120000"/>
               <a:buBlip>
-                <a:blip r:embed="rId2">
+                <a:blip r:embed="rId3">
                   <a:extLst>
                     <a:ext uri="{96DAC541-7B7A-43D3-8B79-37D633B846F1}">
-                      <asvg:svgBlip xmlns:asvg="http://schemas.microsoft.com/office/drawing/2016/SVG/main" r:embed="rId3"/>
+                      <asvg:svgBlip xmlns:asvg="http://schemas.microsoft.com/office/drawing/2016/SVG/main" r:embed="rId4"/>
                     </a:ext>
                   </a:extLst>
                 </a:blip>
@@ -11337,12 +11063,12 @@
             </a:r>
           </a:p>
           <a:p>
-            <a:pPr marL="447675" indent="-447675">
+            <a:pPr marL="447675" indent="-447675" algn="l" rtl="0">
               <a:buBlip>
-                <a:blip r:embed="rId2">
+                <a:blip r:embed="rId3">
                   <a:extLst>
                     <a:ext uri="{96DAC541-7B7A-43D3-8B79-37D633B846F1}">
-                      <asvg:svgBlip xmlns:asvg="http://schemas.microsoft.com/office/drawing/2016/SVG/main" r:embed="rId3"/>
+                      <asvg:svgBlip xmlns:asvg="http://schemas.microsoft.com/office/drawing/2016/SVG/main" r:embed="rId4"/>
                     </a:ext>
                   </a:extLst>
                 </a:blip>
@@ -11358,12 +11084,12 @@
             </a:r>
           </a:p>
           <a:p>
-            <a:pPr marL="447675" indent="-447675">
+            <a:pPr marL="447675" indent="-447675" algn="l" rtl="0">
               <a:buBlip>
-                <a:blip r:embed="rId2">
+                <a:blip r:embed="rId3">
                   <a:extLst>
                     <a:ext uri="{96DAC541-7B7A-43D3-8B79-37D633B846F1}">
-                      <asvg:svgBlip xmlns:asvg="http://schemas.microsoft.com/office/drawing/2016/SVG/main" r:embed="rId3"/>
+                      <asvg:svgBlip xmlns:asvg="http://schemas.microsoft.com/office/drawing/2016/SVG/main" r:embed="rId4"/>
                     </a:ext>
                   </a:extLst>
                 </a:blip>
@@ -11373,6 +11099,99 @@
               <a:rPr lang="he-IL" dirty="0">
                 <a:solidFill>
                   <a:srgbClr val="7AEFF2"/>
+                </a:solidFill>
+              </a:rPr>
+              <a:t>סמיילי שחור קורץ-3</a:t>
+            </a:r>
+          </a:p>
+        </p:txBody>
+      </p:sp>
+      <p:sp>
+        <p:nvSpPr>
+          <p:cNvPr id="14" name="TextBox 13">
+            <a:extLst>
+              <a:ext uri="{FF2B5EF4-FFF2-40B4-BE49-F238E27FC236}">
+                <a16:creationId xmlns:a16="http://schemas.microsoft.com/office/drawing/2014/main" id="{D9234699-B538-4255-BEEA-944EC32A4E5E}"/>
+              </a:ext>
+            </a:extLst>
+          </p:cNvPr>
+          <p:cNvSpPr txBox="1"/>
+          <p:nvPr/>
+        </p:nvSpPr>
+        <p:spPr>
+          <a:xfrm>
+            <a:off x="348266" y="2004471"/>
+            <a:ext cx="3187637" cy="923330"/>
+          </a:xfrm>
+          <a:prstGeom prst="rect">
+            <a:avLst/>
+          </a:prstGeom>
+          <a:noFill/>
+        </p:spPr>
+        <p:txBody>
+          <a:bodyPr wrap="square" rtlCol="1">
+            <a:spAutoFit/>
+          </a:bodyPr>
+          <a:lstStyle/>
+          <a:p>
+            <a:pPr marL="447675" indent="-447675" algn="l" rtl="0">
+              <a:buSzPct val="120000"/>
+              <a:buBlip>
+                <a:blip r:embed="rId5">
+                  <a:extLst>
+                    <a:ext uri="{96DAC541-7B7A-43D3-8B79-37D633B846F1}">
+                      <asvg:svgBlip xmlns:asvg="http://schemas.microsoft.com/office/drawing/2016/SVG/main" r:embed="rId6"/>
+                    </a:ext>
+                  </a:extLst>
+                </a:blip>
+              </a:buBlip>
+            </a:pPr>
+            <a:r>
+              <a:rPr lang="he-IL" dirty="0">
+                <a:solidFill>
+                  <a:srgbClr val="FF0000"/>
+                </a:solidFill>
+              </a:rPr>
+              <a:t>סמיילי שחור קורץ-1</a:t>
+            </a:r>
+          </a:p>
+          <a:p>
+            <a:pPr marL="447675" indent="-447675" algn="l" rtl="0">
+              <a:buBlip>
+                <a:blip r:embed="rId5">
+                  <a:extLst>
+                    <a:ext uri="{96DAC541-7B7A-43D3-8B79-37D633B846F1}">
+                      <asvg:svgBlip xmlns:asvg="http://schemas.microsoft.com/office/drawing/2016/SVG/main" r:embed="rId6"/>
+                    </a:ext>
+                  </a:extLst>
+                </a:blip>
+              </a:buBlip>
+            </a:pPr>
+            <a:r>
+              <a:rPr lang="he-IL" dirty="0">
+                <a:solidFill>
+                  <a:srgbClr val="FF0000"/>
+                </a:solidFill>
+              </a:rPr>
+              <a:t>סמיילי שחור קורץ-2</a:t>
+            </a:r>
+          </a:p>
+          <a:p>
+            <a:pPr marL="447675" indent="-447675" algn="l" rtl="0">
+              <a:buBlip>
+                <a:blip r:embed="rId5">
+                  <a:extLst>
+                    <a:ext uri="{96DAC541-7B7A-43D3-8B79-37D633B846F1}">
+                      <asvg:svgBlip xmlns:asvg="http://schemas.microsoft.com/office/drawing/2016/SVG/main" r:embed="rId6"/>
+                    </a:ext>
+                  </a:extLst>
+                </a:blip>
+              </a:buBlip>
+            </a:pPr>
+            <a:r>
+              <a:rPr lang="he-IL" dirty="0">
+                <a:solidFill>
+                  <a:srgbClr val="FF0000"/>
                 </a:solidFill>
               </a:rPr>
               <a:t>סמיילי שחור קורץ-3</a:t>
@@ -11969,4 +11788,47 @@
     </a:ext>
   </a:extLst>
 </a:theme>
+</file>
+
+<file path=ppt/theme/themeOverride1.xml><?xml version="1.0" encoding="utf-8"?>
+<a:themeOverride xmlns:a="http://schemas.openxmlformats.org/drawingml/2006/main">
+  <a:clrScheme name="כחול מספר שתיים">
+    <a:dk1>
+      <a:sysClr val="windowText" lastClr="000000"/>
+    </a:dk1>
+    <a:lt1>
+      <a:sysClr val="window" lastClr="FFFFFF"/>
+    </a:lt1>
+    <a:dk2>
+      <a:srgbClr val="335B74"/>
+    </a:dk2>
+    <a:lt2>
+      <a:srgbClr val="DFE3E5"/>
+    </a:lt2>
+    <a:accent1>
+      <a:srgbClr val="1CADE4"/>
+    </a:accent1>
+    <a:accent2>
+      <a:srgbClr val="2683C6"/>
+    </a:accent2>
+    <a:accent3>
+      <a:srgbClr val="27CED7"/>
+    </a:accent3>
+    <a:accent4>
+      <a:srgbClr val="42BA97"/>
+    </a:accent4>
+    <a:accent5>
+      <a:srgbClr val="3E8853"/>
+    </a:accent5>
+    <a:accent6>
+      <a:srgbClr val="62A39F"/>
+    </a:accent6>
+    <a:hlink>
+      <a:srgbClr val="6EAC1C"/>
+    </a:hlink>
+    <a:folHlink>
+      <a:srgbClr val="B26B02"/>
+    </a:folHlink>
+  </a:clrScheme>
+</a:themeOverride>
 </file>